--- a/Hack4Vilnius2019.pptx
+++ b/Hack4Vilnius2019.pptx
@@ -631,6 +631,174 @@
     <p:extLst>
       <p:ext uri="{BB962C8B-B14F-4D97-AF65-F5344CB8AC3E}">
         <p14:creationId xmlns:p14="http://schemas.microsoft.com/office/powerpoint/2010/main" val="1875353001"/>
+      </p:ext>
+    </p:extLst>
+  </p:cSld>
+  <p:clrMapOvr>
+    <a:masterClrMapping/>
+  </p:clrMapOvr>
+</p:notes>
+</file>
+
+<file path=ppt/notesSlides/notesSlide2.xml><?xml version="1.0" encoding="utf-8"?>
+<p:notes xmlns:a="http://schemas.openxmlformats.org/drawingml/2006/main" xmlns:r="http://schemas.openxmlformats.org/officeDocument/2006/relationships" xmlns:p="http://schemas.openxmlformats.org/presentationml/2006/main">
+  <p:cSld>
+    <p:spTree>
+      <p:nvGrpSpPr>
+        <p:cNvPr id="1" name=""/>
+        <p:cNvGrpSpPr/>
+        <p:nvPr/>
+      </p:nvGrpSpPr>
+      <p:grpSpPr>
+        <a:xfrm>
+          <a:off x="0" y="0"/>
+          <a:ext cx="0" cy="0"/>
+          <a:chOff x="0" y="0"/>
+          <a:chExt cx="0" cy="0"/>
+        </a:xfrm>
+      </p:grpSpPr>
+      <p:sp>
+        <p:nvSpPr>
+          <p:cNvPr id="2" name="Slide Image Placeholder 1"/>
+          <p:cNvSpPr>
+            <a:spLocks noGrp="1" noRot="1" noChangeAspect="1"/>
+          </p:cNvSpPr>
+          <p:nvPr>
+            <p:ph type="sldImg"/>
+          </p:nvPr>
+        </p:nvSpPr>
+        <p:spPr/>
+      </p:sp>
+      <p:sp>
+        <p:nvSpPr>
+          <p:cNvPr id="3" name="Notes Placeholder 2"/>
+          <p:cNvSpPr>
+            <a:spLocks noGrp="1"/>
+          </p:cNvSpPr>
+          <p:nvPr>
+            <p:ph type="body" idx="1"/>
+          </p:nvPr>
+        </p:nvSpPr>
+        <p:spPr/>
+        <p:txBody>
+          <a:bodyPr/>
+          <a:lstStyle/>
+          <a:p>
+            <a:endParaRPr lang="nb-NO" dirty="0"/>
+          </a:p>
+        </p:txBody>
+      </p:sp>
+      <p:sp>
+        <p:nvSpPr>
+          <p:cNvPr id="4" name="Slide Number Placeholder 3"/>
+          <p:cNvSpPr>
+            <a:spLocks noGrp="1"/>
+          </p:cNvSpPr>
+          <p:nvPr>
+            <p:ph type="sldNum" sz="quarter" idx="10"/>
+          </p:nvPr>
+        </p:nvSpPr>
+        <p:spPr/>
+        <p:txBody>
+          <a:bodyPr/>
+          <a:lstStyle/>
+          <a:p>
+            <a:fld id="{ABC9CCE9-C7F1-49FB-9413-4516DC594C0C}" type="slidenum">
+              <a:rPr lang="nb-NO" smtClean="0"/>
+              <a:t>8</a:t>
+            </a:fld>
+            <a:endParaRPr lang="nb-NO"/>
+          </a:p>
+        </p:txBody>
+      </p:sp>
+    </p:spTree>
+    <p:extLst>
+      <p:ext uri="{BB962C8B-B14F-4D97-AF65-F5344CB8AC3E}">
+        <p14:creationId xmlns:p14="http://schemas.microsoft.com/office/powerpoint/2010/main" val="2502914534"/>
+      </p:ext>
+    </p:extLst>
+  </p:cSld>
+  <p:clrMapOvr>
+    <a:masterClrMapping/>
+  </p:clrMapOvr>
+</p:notes>
+</file>
+
+<file path=ppt/notesSlides/notesSlide3.xml><?xml version="1.0" encoding="utf-8"?>
+<p:notes xmlns:a="http://schemas.openxmlformats.org/drawingml/2006/main" xmlns:r="http://schemas.openxmlformats.org/officeDocument/2006/relationships" xmlns:p="http://schemas.openxmlformats.org/presentationml/2006/main">
+  <p:cSld>
+    <p:spTree>
+      <p:nvGrpSpPr>
+        <p:cNvPr id="1" name=""/>
+        <p:cNvGrpSpPr/>
+        <p:nvPr/>
+      </p:nvGrpSpPr>
+      <p:grpSpPr>
+        <a:xfrm>
+          <a:off x="0" y="0"/>
+          <a:ext cx="0" cy="0"/>
+          <a:chOff x="0" y="0"/>
+          <a:chExt cx="0" cy="0"/>
+        </a:xfrm>
+      </p:grpSpPr>
+      <p:sp>
+        <p:nvSpPr>
+          <p:cNvPr id="2" name="Slide Image Placeholder 1"/>
+          <p:cNvSpPr>
+            <a:spLocks noGrp="1" noRot="1" noChangeAspect="1"/>
+          </p:cNvSpPr>
+          <p:nvPr>
+            <p:ph type="sldImg"/>
+          </p:nvPr>
+        </p:nvSpPr>
+        <p:spPr/>
+      </p:sp>
+      <p:sp>
+        <p:nvSpPr>
+          <p:cNvPr id="3" name="Notes Placeholder 2"/>
+          <p:cNvSpPr>
+            <a:spLocks noGrp="1"/>
+          </p:cNvSpPr>
+          <p:nvPr>
+            <p:ph type="body" idx="1"/>
+          </p:nvPr>
+        </p:nvSpPr>
+        <p:spPr/>
+        <p:txBody>
+          <a:bodyPr/>
+          <a:lstStyle/>
+          <a:p>
+            <a:endParaRPr lang="nb-NO" dirty="0"/>
+          </a:p>
+        </p:txBody>
+      </p:sp>
+      <p:sp>
+        <p:nvSpPr>
+          <p:cNvPr id="4" name="Slide Number Placeholder 3"/>
+          <p:cNvSpPr>
+            <a:spLocks noGrp="1"/>
+          </p:cNvSpPr>
+          <p:nvPr>
+            <p:ph type="sldNum" sz="quarter" idx="10"/>
+          </p:nvPr>
+        </p:nvSpPr>
+        <p:spPr/>
+        <p:txBody>
+          <a:bodyPr/>
+          <a:lstStyle/>
+          <a:p>
+            <a:fld id="{ABC9CCE9-C7F1-49FB-9413-4516DC594C0C}" type="slidenum">
+              <a:rPr lang="nb-NO" smtClean="0"/>
+              <a:t>9</a:t>
+            </a:fld>
+            <a:endParaRPr lang="nb-NO"/>
+          </a:p>
+        </p:txBody>
+      </p:sp>
+    </p:spTree>
+    <p:extLst>
+      <p:ext uri="{BB962C8B-B14F-4D97-AF65-F5344CB8AC3E}">
+        <p14:creationId xmlns:p14="http://schemas.microsoft.com/office/powerpoint/2010/main" val="1613897777"/>
       </p:ext>
     </p:extLst>
   </p:cSld>
@@ -32540,7 +32708,7 @@
         </p:blipFill>
         <p:spPr>
           <a:xfrm>
-            <a:off x="201605" y="2350749"/>
+            <a:off x="1047735" y="2379029"/>
             <a:ext cx="6998472" cy="3957318"/>
           </a:xfrm>
           <a:prstGeom prst="rect">
@@ -32570,7 +32738,7 @@
         </p:blipFill>
         <p:spPr>
           <a:xfrm>
-            <a:off x="1104077" y="1349871"/>
+            <a:off x="2874440" y="1312163"/>
             <a:ext cx="6096000" cy="4065984"/>
           </a:xfrm>
           <a:prstGeom prst="rect">
@@ -32600,32 +32768,8 @@
         </p:blipFill>
         <p:spPr>
           <a:xfrm>
-            <a:off x="2323601" y="2730615"/>
-            <a:ext cx="2978056" cy="3424765"/>
-          </a:xfrm>
-          <a:prstGeom prst="rect">
-            <a:avLst/>
-          </a:prstGeom>
-        </p:spPr>
-      </p:pic>
-      <p:pic>
-        <p:nvPicPr>
-          <p:cNvPr id="8" name="Picture 7"/>
-          <p:cNvPicPr>
-            <a:picLocks noChangeAspect="1"/>
-          </p:cNvPicPr>
-          <p:nvPr/>
-        </p:nvPicPr>
-        <p:blipFill>
-          <a:blip r:embed="rId6"/>
-          <a:stretch>
-            <a:fillRect/>
-          </a:stretch>
-        </p:blipFill>
-        <p:spPr>
-          <a:xfrm>
-            <a:off x="3403401" y="1848375"/>
-            <a:ext cx="8642562" cy="4013586"/>
+            <a:off x="6684871" y="1982388"/>
+            <a:ext cx="3967011" cy="4562063"/>
           </a:xfrm>
           <a:prstGeom prst="rect">
             <a:avLst/>
@@ -32792,59 +32936,6 @@
                                         <p:cTn id="16" dur="500"/>
                                         <p:tgtEl>
                                           <p:spTgt spid="7"/>
-                                        </p:tgtEl>
-                                      </p:cBhvr>
-                                    </p:animEffect>
-                                  </p:childTnLst>
-                                </p:cTn>
-                              </p:par>
-                            </p:childTnLst>
-                          </p:cTn>
-                        </p:par>
-                      </p:childTnLst>
-                    </p:cTn>
-                  </p:par>
-                  <p:par>
-                    <p:cTn id="17" fill="hold">
-                      <p:stCondLst>
-                        <p:cond delay="indefinite"/>
-                      </p:stCondLst>
-                      <p:childTnLst>
-                        <p:par>
-                          <p:cTn id="18" fill="hold">
-                            <p:stCondLst>
-                              <p:cond delay="0"/>
-                            </p:stCondLst>
-                            <p:childTnLst>
-                              <p:par>
-                                <p:cTn id="19" presetID="10" presetClass="entr" presetSubtype="0" fill="hold" nodeType="clickEffect">
-                                  <p:stCondLst>
-                                    <p:cond delay="0"/>
-                                  </p:stCondLst>
-                                  <p:childTnLst>
-                                    <p:set>
-                                      <p:cBhvr>
-                                        <p:cTn id="20" dur="1" fill="hold">
-                                          <p:stCondLst>
-                                            <p:cond delay="0"/>
-                                          </p:stCondLst>
-                                        </p:cTn>
-                                        <p:tgtEl>
-                                          <p:spTgt spid="8"/>
-                                        </p:tgtEl>
-                                        <p:attrNameLst>
-                                          <p:attrName>style.visibility</p:attrName>
-                                        </p:attrNameLst>
-                                      </p:cBhvr>
-                                      <p:to>
-                                        <p:strVal val="visible"/>
-                                      </p:to>
-                                    </p:set>
-                                    <p:animEffect transition="in" filter="fade">
-                                      <p:cBhvr>
-                                        <p:cTn id="21" dur="500"/>
-                                        <p:tgtEl>
-                                          <p:spTgt spid="8"/>
                                         </p:tgtEl>
                                       </p:cBhvr>
                                     </p:animEffect>
@@ -34429,7 +34520,7 @@
         </p:nvSpPr>
         <p:spPr>
           <a:xfrm>
-            <a:off x="1622560" y="4425413"/>
+            <a:off x="1094659" y="4425413"/>
             <a:ext cx="2907738" cy="1015663"/>
           </a:xfrm>
           <a:prstGeom prst="rect">
@@ -34536,8 +34627,8 @@
         </p:nvSpPr>
         <p:spPr>
           <a:xfrm>
-            <a:off x="7721600" y="4414182"/>
-            <a:ext cx="2787942" cy="1323439"/>
+            <a:off x="4812251" y="4348760"/>
+            <a:ext cx="3002569" cy="1015663"/>
           </a:xfrm>
           <a:prstGeom prst="rect">
             <a:avLst/>
@@ -34665,7 +34756,12 @@
             <a:fillRect/>
           </a:stretch>
         </p:blipFill>
-        <p:spPr/>
+        <p:spPr>
+          <a:xfrm>
+            <a:off x="5225294" y="2084199"/>
+            <a:ext cx="1961858" cy="1961858"/>
+          </a:xfrm>
+        </p:spPr>
       </p:pic>
       <p:sp>
         <p:nvSpPr>
@@ -34713,7 +34809,12 @@
             <a:fillRect/>
           </a:stretch>
         </p:blipFill>
-        <p:spPr/>
+        <p:spPr>
+          <a:xfrm>
+            <a:off x="1567599" y="2084199"/>
+            <a:ext cx="1961858" cy="1961858"/>
+          </a:xfrm>
+        </p:spPr>
       </p:pic>
       <p:sp>
         <p:nvSpPr>
@@ -34898,6 +34999,94 @@
           </a:fontRef>
         </p:style>
       </p:cxnSp>
+      <p:sp>
+        <p:nvSpPr>
+          <p:cNvPr id="22" name="TextBox 21"/>
+          <p:cNvSpPr txBox="1"/>
+          <p:nvPr/>
+        </p:nvSpPr>
+        <p:spPr>
+          <a:xfrm>
+            <a:off x="8801361" y="4348760"/>
+            <a:ext cx="2787942" cy="1015663"/>
+          </a:xfrm>
+          <a:prstGeom prst="rect">
+            <a:avLst/>
+          </a:prstGeom>
+          <a:noFill/>
+        </p:spPr>
+        <p:txBody>
+          <a:bodyPr wrap="square" lIns="0" rtlCol="0" anchor="t">
+            <a:spAutoFit/>
+          </a:bodyPr>
+          <a:lstStyle/>
+          <a:p>
+            <a:pPr algn="ctr"/>
+            <a:r>
+              <a:rPr lang="lt-LT" sz="2000" dirty="0" smtClean="0">
+                <a:latin typeface="Segoe UI" panose="020B0502040204020203" pitchFamily="34" charset="0"/>
+                <a:cs typeface="Segoe UI" panose="020B0502040204020203" pitchFamily="34" charset="0"/>
+              </a:rPr>
+              <a:t>Įmonės</a:t>
+            </a:r>
+            <a:endParaRPr lang="fr-FR" sz="2000" dirty="0">
+              <a:latin typeface="Segoe UI" panose="020B0502040204020203" pitchFamily="34" charset="0"/>
+              <a:cs typeface="Segoe UI" panose="020B0502040204020203" pitchFamily="34" charset="0"/>
+            </a:endParaRPr>
+          </a:p>
+          <a:p>
+            <a:pPr algn="ctr"/>
+            <a:r>
+              <a:rPr lang="lt-LT" sz="2000" dirty="0" smtClean="0">
+                <a:latin typeface="Segoe UI Light" panose="020B0502040204020203" pitchFamily="34" charset="0"/>
+                <a:cs typeface="Segoe UI Light" panose="020B0502040204020203" pitchFamily="34" charset="0"/>
+              </a:rPr>
+              <a:t>Žaidimai komandos</a:t>
+            </a:r>
+            <a:r>
+              <a:rPr lang="lt-LT" sz="2000" dirty="0" smtClean="0">
+                <a:latin typeface="Segoe UI Light" panose="020B0502040204020203" pitchFamily="34" charset="0"/>
+                <a:cs typeface="Segoe UI Light" panose="020B0502040204020203" pitchFamily="34" charset="0"/>
+              </a:rPr>
+              <a:t> formavimo renginiams</a:t>
+            </a:r>
+            <a:endParaRPr lang="fr-FR" sz="2000" baseline="30000" dirty="0">
+              <a:latin typeface="Segoe UI Light" panose="020B0502040204020203" pitchFamily="34" charset="0"/>
+              <a:cs typeface="Segoe UI Light" panose="020B0502040204020203" pitchFamily="34" charset="0"/>
+            </a:endParaRPr>
+          </a:p>
+        </p:txBody>
+      </p:sp>
+      <p:pic>
+        <p:nvPicPr>
+          <p:cNvPr id="23" name="Picture Placeholder 254"/>
+          <p:cNvPicPr>
+            <a:picLocks noChangeAspect="1"/>
+          </p:cNvPicPr>
+          <p:nvPr/>
+        </p:nvPicPr>
+        <p:blipFill>
+          <a:blip r:embed="rId5">
+            <a:extLst>
+              <a:ext uri="{28A0092B-C50C-407E-A947-70E740481C1C}">
+                <a14:useLocalDpi xmlns:a14="http://schemas.microsoft.com/office/drawing/2010/main" val="0"/>
+              </a:ext>
+            </a:extLst>
+          </a:blip>
+          <a:stretch>
+            <a:fillRect/>
+          </a:stretch>
+        </p:blipFill>
+        <p:spPr>
+          <a:xfrm>
+            <a:off x="9276238" y="2084199"/>
+            <a:ext cx="1838187" cy="1961858"/>
+          </a:xfrm>
+          <a:prstGeom prst="ellipse">
+            <a:avLst/>
+          </a:prstGeom>
+        </p:spPr>
+      </p:pic>
     </p:spTree>
     <p:extLst>
       <p:ext uri="{BB962C8B-B14F-4D97-AF65-F5344CB8AC3E}">
@@ -35636,9 +35825,16 @@
                 <a:latin typeface="Segoe UI Light" panose="020B0502040204020203" pitchFamily="34" charset="0"/>
                 <a:cs typeface="Segoe UI Light" panose="020B0502040204020203" pitchFamily="34" charset="0"/>
               </a:rPr>
-              <a:t>Išplėsti funkcionalumą, pridedant opciją teambuilding'ams</a:t>
-            </a:r>
-            <a:endParaRPr lang="fr-FR" sz="2000" dirty="0">
+              <a:t>Išplėsti funkcionalumą, pridedant opciją </a:t>
+            </a:r>
+            <a:r>
+              <a:rPr lang="lt-LT" sz="2000" i="1" dirty="0" smtClean="0">
+                <a:latin typeface="Segoe UI Light" panose="020B0502040204020203" pitchFamily="34" charset="0"/>
+                <a:cs typeface="Segoe UI Light" panose="020B0502040204020203" pitchFamily="34" charset="0"/>
+              </a:rPr>
+              <a:t>teambuilding'ams</a:t>
+            </a:r>
+            <a:endParaRPr lang="fr-FR" sz="2000" i="1" dirty="0">
               <a:latin typeface="Segoe UI Light" panose="020B0502040204020203" pitchFamily="34" charset="0"/>
               <a:cs typeface="Segoe UI Light" panose="020B0502040204020203" pitchFamily="34" charset="0"/>
             </a:endParaRPr>
@@ -39100,7 +39296,7 @@
           </p:nvPr>
         </p:nvPicPr>
         <p:blipFill>
-          <a:blip r:embed="rId2">
+          <a:blip r:embed="rId3">
             <a:extLst>
               <a:ext uri="{28A0092B-C50C-407E-A947-70E740481C1C}">
                 <a14:useLocalDpi xmlns:a14="http://schemas.microsoft.com/office/drawing/2010/main" val="0"/>
@@ -39130,7 +39326,7 @@
           </p:nvPr>
         </p:nvPicPr>
         <p:blipFill>
-          <a:blip r:embed="rId3">
+          <a:blip r:embed="rId4">
             <a:extLst>
               <a:ext uri="{28A0092B-C50C-407E-A947-70E740481C1C}">
                 <a14:useLocalDpi xmlns:a14="http://schemas.microsoft.com/office/drawing/2010/main" val="0"/>
@@ -39160,7 +39356,7 @@
           </p:nvPr>
         </p:nvPicPr>
         <p:blipFill>
-          <a:blip r:embed="rId4">
+          <a:blip r:embed="rId5">
             <a:extLst>
               <a:ext uri="{28A0092B-C50C-407E-A947-70E740481C1C}">
                 <a14:useLocalDpi xmlns:a14="http://schemas.microsoft.com/office/drawing/2010/main" val="0"/>
@@ -39283,7 +39479,7 @@
           <p:nvPr/>
         </p:nvPicPr>
         <p:blipFill>
-          <a:blip r:embed="rId5">
+          <a:blip r:embed="rId6">
             <a:extLst>
               <a:ext uri="{28A0092B-C50C-407E-A947-70E740481C1C}">
                 <a14:useLocalDpi xmlns:a14="http://schemas.microsoft.com/office/drawing/2010/main" val="0"/>
@@ -39313,7 +39509,7 @@
           <p:nvPr/>
         </p:nvPicPr>
         <p:blipFill>
-          <a:blip r:embed="rId6">
+          <a:blip r:embed="rId7">
             <a:extLst>
               <a:ext uri="{28A0092B-C50C-407E-A947-70E740481C1C}">
                 <a14:useLocalDpi xmlns:a14="http://schemas.microsoft.com/office/drawing/2010/main" val="0"/>
@@ -39343,7 +39539,7 @@
           <p:nvPr/>
         </p:nvPicPr>
         <p:blipFill>
-          <a:blip r:embed="rId7">
+          <a:blip r:embed="rId8">
             <a:extLst>
               <a:ext uri="{28A0092B-C50C-407E-A947-70E740481C1C}">
                 <a14:useLocalDpi xmlns:a14="http://schemas.microsoft.com/office/drawing/2010/main" val="0"/>
@@ -39879,6 +40075,9 @@
   <p:clrMapOvr>
     <a:masterClrMapping/>
   </p:clrMapOvr>
+  <p:transition spd="slow">
+    <p:push dir="u"/>
+  </p:transition>
   <p:timing>
     <p:tnLst>
       <p:par>

--- a/Hack4Vilnius2019.pptx
+++ b/Hack4Vilnius2019.pptx
@@ -19658,54 +19658,13 @@
       </p:grpSpPr>
       <p:sp>
         <p:nvSpPr>
-          <p:cNvPr id="12" name="TextBox 11"/>
-          <p:cNvSpPr txBox="1"/>
-          <p:nvPr/>
-        </p:nvSpPr>
-        <p:spPr>
-          <a:xfrm>
-            <a:off x="2489200" y="3737233"/>
-            <a:ext cx="7213600" cy="695447"/>
-          </a:xfrm>
-          <a:prstGeom prst="rect">
-            <a:avLst/>
-          </a:prstGeom>
-          <a:noFill/>
-        </p:spPr>
-        <p:txBody>
-          <a:bodyPr wrap="square" lIns="0" rtlCol="0">
-            <a:spAutoFit/>
-          </a:bodyPr>
-          <a:lstStyle/>
-          <a:p>
-            <a:pPr algn="ctr">
-              <a:lnSpc>
-                <a:spcPct val="120000"/>
-              </a:lnSpc>
-            </a:pPr>
-            <a:r>
-              <a:rPr lang="lt-LT" sz="3600" spc="600" dirty="0" smtClean="0">
-                <a:latin typeface="Segoe UI" panose="020B0502040204020203" pitchFamily="34" charset="0"/>
-                <a:cs typeface="Segoe UI" panose="020B0502040204020203" pitchFamily="34" charset="0"/>
-              </a:rPr>
-              <a:t>CITYSEEK</a:t>
-            </a:r>
-            <a:endParaRPr lang="fr-FR" sz="3600" spc="600" dirty="0">
-              <a:latin typeface="Segoe UI" panose="020B0502040204020203" pitchFamily="34" charset="0"/>
-              <a:cs typeface="Segoe UI" panose="020B0502040204020203" pitchFamily="34" charset="0"/>
-            </a:endParaRPr>
-          </a:p>
-        </p:txBody>
-      </p:sp>
-      <p:sp>
-        <p:nvSpPr>
           <p:cNvPr id="13" name="TextBox 12"/>
           <p:cNvSpPr txBox="1"/>
           <p:nvPr/>
         </p:nvSpPr>
         <p:spPr>
           <a:xfrm>
-            <a:off x="2489200" y="4298669"/>
+            <a:off x="2489200" y="3689069"/>
             <a:ext cx="7213600" cy="757130"/>
           </a:xfrm>
           <a:prstGeom prst="rect">
@@ -19736,186 +19695,36 @@
           </a:p>
         </p:txBody>
       </p:sp>
-      <p:grpSp>
-        <p:nvGrpSpPr>
-          <p:cNvPr id="4" name="Group 3"/>
-          <p:cNvGrpSpPr/>
+      <p:pic>
+        <p:nvPicPr>
+          <p:cNvPr id="2" name="Picture 1"/>
+          <p:cNvPicPr>
+            <a:picLocks noChangeAspect="1"/>
+          </p:cNvPicPr>
           <p:nvPr/>
-        </p:nvGrpSpPr>
-        <p:grpSpPr>
+        </p:nvPicPr>
+        <p:blipFill>
+          <a:blip r:embed="rId2">
+            <a:extLst>
+              <a:ext uri="{28A0092B-C50C-407E-A947-70E740481C1C}">
+                <a14:useLocalDpi xmlns:a14="http://schemas.microsoft.com/office/drawing/2010/main" val="0"/>
+              </a:ext>
+            </a:extLst>
+          </a:blip>
+          <a:stretch>
+            <a:fillRect/>
+          </a:stretch>
+        </p:blipFill>
+        <p:spPr>
           <a:xfrm>
-            <a:off x="4953002" y="1005004"/>
-            <a:ext cx="2285998" cy="2285996"/>
-            <a:chOff x="4761188" y="954891"/>
-            <a:chExt cx="2669626" cy="2669624"/>
+            <a:off x="2413271" y="2413000"/>
+            <a:ext cx="7365458" cy="971269"/>
           </a:xfrm>
-        </p:grpSpPr>
-        <p:sp>
-          <p:nvSpPr>
-            <p:cNvPr id="3" name="Oval 2"/>
-            <p:cNvSpPr/>
-            <p:nvPr/>
-          </p:nvSpPr>
-          <p:spPr>
-            <a:xfrm>
-              <a:off x="4761188" y="954891"/>
-              <a:ext cx="2669626" cy="2669624"/>
-            </a:xfrm>
-            <a:prstGeom prst="ellipse">
-              <a:avLst/>
-            </a:prstGeom>
-            <a:solidFill>
-              <a:schemeClr val="accent1">
-                <a:alpha val="13000"/>
-              </a:schemeClr>
-            </a:solidFill>
-            <a:ln w="76200">
-              <a:noFill/>
-            </a:ln>
-            <a:effectLst>
-              <a:outerShdw blurRad="889000" sx="109000" sy="109000" algn="ctr" rotWithShape="0">
-                <a:schemeClr val="accent1">
-                  <a:alpha val="14000"/>
-                </a:schemeClr>
-              </a:outerShdw>
-            </a:effectLst>
-          </p:spPr>
-          <p:style>
-            <a:lnRef idx="2">
-              <a:schemeClr val="accent1">
-                <a:shade val="50000"/>
-              </a:schemeClr>
-            </a:lnRef>
-            <a:fillRef idx="1">
-              <a:schemeClr val="accent1"/>
-            </a:fillRef>
-            <a:effectRef idx="0">
-              <a:schemeClr val="accent1"/>
-            </a:effectRef>
-            <a:fontRef idx="minor">
-              <a:schemeClr val="lt1"/>
-            </a:fontRef>
-          </p:style>
-          <p:txBody>
-            <a:bodyPr rtlCol="0" anchor="ctr"/>
-            <a:lstStyle/>
-            <a:p>
-              <a:pPr algn="ctr"/>
-              <a:endParaRPr lang="fr-FR"/>
-            </a:p>
-          </p:txBody>
-        </p:sp>
-        <p:sp>
-          <p:nvSpPr>
-            <p:cNvPr id="8" name="Oval 7"/>
-            <p:cNvSpPr/>
-            <p:nvPr/>
-          </p:nvSpPr>
-          <p:spPr>
-            <a:xfrm>
-              <a:off x="5328746" y="1522450"/>
-              <a:ext cx="1534508" cy="1534506"/>
-            </a:xfrm>
-            <a:prstGeom prst="ellipse">
-              <a:avLst/>
-            </a:prstGeom>
-            <a:solidFill>
-              <a:schemeClr val="accent1">
-                <a:alpha val="48000"/>
-              </a:schemeClr>
-            </a:solidFill>
-            <a:ln w="76200">
-              <a:noFill/>
-            </a:ln>
-            <a:effectLst>
-              <a:outerShdw blurRad="889000" sx="109000" sy="109000" algn="ctr" rotWithShape="0">
-                <a:schemeClr val="accent1">
-                  <a:alpha val="14000"/>
-                </a:schemeClr>
-              </a:outerShdw>
-            </a:effectLst>
-          </p:spPr>
-          <p:style>
-            <a:lnRef idx="2">
-              <a:schemeClr val="accent1">
-                <a:shade val="50000"/>
-              </a:schemeClr>
-            </a:lnRef>
-            <a:fillRef idx="1">
-              <a:schemeClr val="accent1"/>
-            </a:fillRef>
-            <a:effectRef idx="0">
-              <a:schemeClr val="accent1"/>
-            </a:effectRef>
-            <a:fontRef idx="minor">
-              <a:schemeClr val="lt1"/>
-            </a:fontRef>
-          </p:style>
-          <p:txBody>
-            <a:bodyPr rtlCol="0" anchor="ctr"/>
-            <a:lstStyle/>
-            <a:p>
-              <a:pPr algn="ctr"/>
-              <a:endParaRPr lang="fr-FR"/>
-            </a:p>
-          </p:txBody>
-        </p:sp>
-        <p:sp>
-          <p:nvSpPr>
-            <p:cNvPr id="9" name="Oval 8"/>
-            <p:cNvSpPr/>
-            <p:nvPr/>
-          </p:nvSpPr>
-          <p:spPr>
-            <a:xfrm>
-              <a:off x="5738650" y="1932353"/>
-              <a:ext cx="714700" cy="714700"/>
-            </a:xfrm>
-            <a:prstGeom prst="ellipse">
-              <a:avLst/>
-            </a:prstGeom>
-            <a:solidFill>
-              <a:schemeClr val="accent1">
-                <a:alpha val="48000"/>
-              </a:schemeClr>
-            </a:solidFill>
-            <a:ln w="76200">
-              <a:noFill/>
-            </a:ln>
-            <a:effectLst>
-              <a:outerShdw blurRad="889000" sx="109000" sy="109000" algn="ctr" rotWithShape="0">
-                <a:schemeClr val="accent1">
-                  <a:alpha val="14000"/>
-                </a:schemeClr>
-              </a:outerShdw>
-            </a:effectLst>
-          </p:spPr>
-          <p:style>
-            <a:lnRef idx="2">
-              <a:schemeClr val="accent1">
-                <a:shade val="50000"/>
-              </a:schemeClr>
-            </a:lnRef>
-            <a:fillRef idx="1">
-              <a:schemeClr val="accent1"/>
-            </a:fillRef>
-            <a:effectRef idx="0">
-              <a:schemeClr val="accent1"/>
-            </a:effectRef>
-            <a:fontRef idx="minor">
-              <a:schemeClr val="lt1"/>
-            </a:fontRef>
-          </p:style>
-          <p:txBody>
-            <a:bodyPr rtlCol="0" anchor="ctr"/>
-            <a:lstStyle/>
-            <a:p>
-              <a:pPr algn="ctr"/>
-              <a:endParaRPr lang="fr-FR"/>
-            </a:p>
-          </p:txBody>
-        </p:sp>
-      </p:grpSp>
+          <a:prstGeom prst="rect">
+            <a:avLst/>
+          </a:prstGeom>
+        </p:spPr>
+      </p:pic>
     </p:spTree>
     <p:extLst>
       <p:ext uri="{BB962C8B-B14F-4D97-AF65-F5344CB8AC3E}">
@@ -32596,11 +32405,11 @@
   <p:clrMapOvr>
     <a:masterClrMapping/>
   </p:clrMapOvr>
-  <mc:AlternateContent xmlns:mc="http://schemas.openxmlformats.org/markup-compatibility/2006">
-    <mc:Choice xmlns:p14="http://schemas.microsoft.com/office/powerpoint/2010/main" Requires="p14">
+  <mc:AlternateContent xmlns:mc="http://schemas.openxmlformats.org/markup-compatibility/2006" xmlns:p14="http://schemas.microsoft.com/office/powerpoint/2010/main">
+    <mc:Choice Requires="p14">
       <p:transition spd="slow" p14:dur="2000"/>
     </mc:Choice>
-    <mc:Fallback>
+    <mc:Fallback xmlns="">
       <p:transition spd="slow"/>
     </mc:Fallback>
   </mc:AlternateContent>
@@ -35041,14 +34850,7 @@
                 <a:latin typeface="Segoe UI Light" panose="020B0502040204020203" pitchFamily="34" charset="0"/>
                 <a:cs typeface="Segoe UI Light" panose="020B0502040204020203" pitchFamily="34" charset="0"/>
               </a:rPr>
-              <a:t>Žaidimai komandos</a:t>
-            </a:r>
-            <a:r>
-              <a:rPr lang="lt-LT" sz="2000" dirty="0" smtClean="0">
-                <a:latin typeface="Segoe UI Light" panose="020B0502040204020203" pitchFamily="34" charset="0"/>
-                <a:cs typeface="Segoe UI Light" panose="020B0502040204020203" pitchFamily="34" charset="0"/>
-              </a:rPr>
-              <a:t> formavimo renginiams</a:t>
+              <a:t>Žaidimai komandos formavimo renginiams</a:t>
             </a:r>
             <a:endParaRPr lang="fr-FR" sz="2000" baseline="30000" dirty="0">
               <a:latin typeface="Segoe UI Light" panose="020B0502040204020203" pitchFamily="34" charset="0"/>
@@ -40600,21 +40402,6 @@
 </file>
 
 <file path=customXml/item1.xml><?xml version="1.0" encoding="utf-8"?>
-<?mso-contentType ?>
-<FormTemplates xmlns="http://schemas.microsoft.com/sharepoint/v3/contenttype/forms">
-  <Display>DocumentLibraryForm</Display>
-  <Edit>DocumentLibraryForm</Edit>
-  <New>DocumentLibraryForm</New>
-</FormTemplates>
-</file>
-
-<file path=customXml/item2.xml><?xml version="1.0" encoding="utf-8"?>
-<p:properties xmlns:p="http://schemas.microsoft.com/office/2006/metadata/properties" xmlns:xsi="http://www.w3.org/2001/XMLSchema-instance" xmlns:pc="http://schemas.microsoft.com/office/infopath/2007/PartnerControls">
-  <documentManagement/>
-</p:properties>
-</file>
-
-<file path=customXml/item3.xml><?xml version="1.0" encoding="utf-8"?>
 <ct:contentTypeSchema xmlns:ct="http://schemas.microsoft.com/office/2006/metadata/contentType" xmlns:ma="http://schemas.microsoft.com/office/2006/metadata/properties/metaAttributes" ct:_="" ma:_="" ma:contentTypeName="Document" ma:contentTypeID="0x01010005FA520563873D4EB8CBD5344A351BEB" ma:contentTypeVersion="0" ma:contentTypeDescription="Crée un document." ma:contentTypeScope="" ma:versionID="005ce72954985de94fc750614f2007cc">
   <xsd:schema xmlns:xsd="http://www.w3.org/2001/XMLSchema" xmlns:xs="http://www.w3.org/2001/XMLSchema" xmlns:p="http://schemas.microsoft.com/office/2006/metadata/properties" targetNamespace="http://schemas.microsoft.com/office/2006/metadata/properties" ma:root="true" ma:fieldsID="36883d0f3030e52908f9a4448a35c02a">
     <xsd:element name="properties">
@@ -40728,10 +40515,33 @@
 </ct:contentTypeSchema>
 </file>
 
+<file path=customXml/item2.xml><?xml version="1.0" encoding="utf-8"?>
+<p:properties xmlns:p="http://schemas.microsoft.com/office/2006/metadata/properties" xmlns:xsi="http://www.w3.org/2001/XMLSchema-instance" xmlns:pc="http://schemas.microsoft.com/office/infopath/2007/PartnerControls">
+  <documentManagement/>
+</p:properties>
+</file>
+
+<file path=customXml/item3.xml><?xml version="1.0" encoding="utf-8"?>
+<?mso-contentType ?>
+<FormTemplates xmlns="http://schemas.microsoft.com/sharepoint/v3/contenttype/forms">
+  <Display>DocumentLibraryForm</Display>
+  <Edit>DocumentLibraryForm</Edit>
+  <New>DocumentLibraryForm</New>
+</FormTemplates>
+</file>
+
 <file path=customXml/itemProps1.xml><?xml version="1.0" encoding="utf-8"?>
-<ds:datastoreItem xmlns:ds="http://schemas.openxmlformats.org/officeDocument/2006/customXml" ds:itemID="{95457E87-E546-449E-A4D1-371201992E58}">
+<ds:datastoreItem xmlns:ds="http://schemas.openxmlformats.org/officeDocument/2006/customXml" ds:itemID="{FF14EDAB-351E-4851-B148-260C81C296AA}">
   <ds:schemaRefs>
-    <ds:schemaRef ds:uri="http://schemas.microsoft.com/sharepoint/v3/contenttype/forms"/>
+    <ds:schemaRef ds:uri="http://schemas.microsoft.com/office/2006/metadata/contentType"/>
+    <ds:schemaRef ds:uri="http://schemas.microsoft.com/office/2006/metadata/properties/metaAttributes"/>
+    <ds:schemaRef ds:uri="http://www.w3.org/2001/XMLSchema"/>
+    <ds:schemaRef ds:uri="http://schemas.microsoft.com/office/2006/metadata/properties"/>
+    <ds:schemaRef ds:uri="http://schemas.openxmlformats.org/package/2006/metadata/core-properties"/>
+    <ds:schemaRef ds:uri="http://purl.org/dc/elements/1.1/"/>
+    <ds:schemaRef ds:uri="http://purl.org/dc/terms/"/>
+    <ds:schemaRef ds:uri="http://schemas.microsoft.com/internal/obd"/>
+    <ds:schemaRef ds:uri="http://schemas.microsoft.com/office/infopath/2007/PartnerControls"/>
   </ds:schemaRefs>
 </ds:datastoreItem>
 </file>
@@ -40752,17 +40562,9 @@
 </file>
 
 <file path=customXml/itemProps3.xml><?xml version="1.0" encoding="utf-8"?>
-<ds:datastoreItem xmlns:ds="http://schemas.openxmlformats.org/officeDocument/2006/customXml" ds:itemID="{FF14EDAB-351E-4851-B148-260C81C296AA}">
+<ds:datastoreItem xmlns:ds="http://schemas.openxmlformats.org/officeDocument/2006/customXml" ds:itemID="{95457E87-E546-449E-A4D1-371201992E58}">
   <ds:schemaRefs>
-    <ds:schemaRef ds:uri="http://schemas.microsoft.com/office/2006/metadata/contentType"/>
-    <ds:schemaRef ds:uri="http://schemas.microsoft.com/office/2006/metadata/properties/metaAttributes"/>
-    <ds:schemaRef ds:uri="http://www.w3.org/2001/XMLSchema"/>
-    <ds:schemaRef ds:uri="http://schemas.microsoft.com/office/2006/metadata/properties"/>
-    <ds:schemaRef ds:uri="http://schemas.openxmlformats.org/package/2006/metadata/core-properties"/>
-    <ds:schemaRef ds:uri="http://purl.org/dc/elements/1.1/"/>
-    <ds:schemaRef ds:uri="http://purl.org/dc/terms/"/>
-    <ds:schemaRef ds:uri="http://schemas.microsoft.com/internal/obd"/>
-    <ds:schemaRef ds:uri="http://schemas.microsoft.com/office/infopath/2007/PartnerControls"/>
+    <ds:schemaRef ds:uri="http://schemas.microsoft.com/sharepoint/v3/contenttype/forms"/>
   </ds:schemaRefs>
 </ds:datastoreItem>
 </file>